--- a/20230605_RPC/341_rpc.pptx
+++ b/20230605_RPC/341_rpc.pptx
@@ -3642,7 +3642,7 @@
         </p:blipFill>
         <p:spPr>
           <a:xfrm>
-            <a:off x="7801384" y="3928049"/>
+            <a:off x="7820434" y="3356549"/>
             <a:ext cx="6916115" cy="3667637"/>
           </a:xfrm>
           <a:prstGeom prst="rect">
@@ -3664,7 +3664,7 @@
         </p:nvSpPr>
         <p:spPr>
           <a:xfrm>
-            <a:off x="1465131" y="1155031"/>
+            <a:off x="1484181" y="583531"/>
             <a:ext cx="972000" cy="576000"/>
           </a:xfrm>
           <a:prstGeom prst="rect">
@@ -3729,7 +3729,7 @@
         </p:nvSpPr>
         <p:spPr>
           <a:xfrm>
-            <a:off x="5418820" y="1108285"/>
+            <a:off x="5437870" y="536785"/>
             <a:ext cx="972000" cy="622746"/>
           </a:xfrm>
           <a:prstGeom prst="rect">
@@ -3811,7 +3811,7 @@
         </p:nvSpPr>
         <p:spPr>
           <a:xfrm>
-            <a:off x="5418820" y="2084068"/>
+            <a:off x="5437870" y="1512568"/>
             <a:ext cx="972000" cy="576000"/>
           </a:xfrm>
           <a:prstGeom prst="rect">
@@ -3923,7 +3923,7 @@
         </p:nvSpPr>
         <p:spPr>
           <a:xfrm>
-            <a:off x="5418820" y="2658077"/>
+            <a:off x="5437870" y="2086577"/>
             <a:ext cx="972000" cy="576000"/>
           </a:xfrm>
           <a:prstGeom prst="rect">
@@ -4028,7 +4028,7 @@
         </p:nvSpPr>
         <p:spPr>
           <a:xfrm>
-            <a:off x="1465131" y="2658077"/>
+            <a:off x="1484181" y="2086577"/>
             <a:ext cx="972000" cy="576000"/>
           </a:xfrm>
           <a:prstGeom prst="rect">
@@ -4133,7 +4133,7 @@
         </p:nvSpPr>
         <p:spPr>
           <a:xfrm>
-            <a:off x="1465131" y="4142995"/>
+            <a:off x="1484181" y="3571495"/>
             <a:ext cx="972000" cy="576000"/>
           </a:xfrm>
           <a:prstGeom prst="rect">
@@ -4218,7 +4218,7 @@
         </p:nvSpPr>
         <p:spPr>
           <a:xfrm>
-            <a:off x="1465131" y="2084068"/>
+            <a:off x="1484181" y="1512568"/>
             <a:ext cx="972000" cy="576000"/>
           </a:xfrm>
           <a:prstGeom prst="rect">
@@ -4330,7 +4330,7 @@
         </p:nvSpPr>
         <p:spPr>
           <a:xfrm>
-            <a:off x="1201663" y="956623"/>
+            <a:off x="1220713" y="385123"/>
             <a:ext cx="1476000" cy="2484000"/>
           </a:xfrm>
           <a:prstGeom prst="rect">
@@ -4389,7 +4389,7 @@
         </p:nvSpPr>
         <p:spPr>
           <a:xfrm>
-            <a:off x="5145517" y="956623"/>
+            <a:off x="5164567" y="385123"/>
             <a:ext cx="1476000" cy="2484000"/>
           </a:xfrm>
           <a:prstGeom prst="rect">
@@ -4448,7 +4448,7 @@
         </p:nvSpPr>
         <p:spPr>
           <a:xfrm>
-            <a:off x="5418820" y="4142995"/>
+            <a:off x="5437870" y="3571495"/>
             <a:ext cx="972000" cy="576000"/>
           </a:xfrm>
           <a:prstGeom prst="rect">
@@ -4535,7 +4535,7 @@
         </p:nvCxnSpPr>
         <p:spPr>
           <a:xfrm>
-            <a:off x="838806" y="3969253"/>
+            <a:off x="857856" y="3397753"/>
             <a:ext cx="2152650" cy="0"/>
           </a:xfrm>
           <a:prstGeom prst="line">
@@ -4579,7 +4579,7 @@
         </p:nvCxnSpPr>
         <p:spPr>
           <a:xfrm>
-            <a:off x="4792495" y="3969253"/>
+            <a:off x="4811545" y="3397753"/>
             <a:ext cx="2152650" cy="0"/>
           </a:xfrm>
           <a:prstGeom prst="line">
@@ -4621,7 +4621,7 @@
         </p:nvSpPr>
         <p:spPr>
           <a:xfrm>
-            <a:off x="1321674" y="668748"/>
+            <a:off x="1340724" y="97248"/>
             <a:ext cx="1225015" cy="261610"/>
           </a:xfrm>
           <a:prstGeom prst="rect">
@@ -4659,7 +4659,7 @@
         </p:nvSpPr>
         <p:spPr>
           <a:xfrm>
-            <a:off x="6330604" y="3699767"/>
+            <a:off x="6349654" y="3128267"/>
             <a:ext cx="615874" cy="261610"/>
           </a:xfrm>
           <a:prstGeom prst="rect">
@@ -4697,7 +4697,7 @@
         </p:nvSpPr>
         <p:spPr>
           <a:xfrm>
-            <a:off x="5416469" y="668748"/>
+            <a:off x="5435519" y="97248"/>
             <a:ext cx="966931" cy="261610"/>
           </a:xfrm>
           <a:prstGeom prst="rect">
@@ -4742,7 +4742,7 @@
         </p:nvSpPr>
         <p:spPr>
           <a:xfrm>
-            <a:off x="6330604" y="3972219"/>
+            <a:off x="6349654" y="3400719"/>
             <a:ext cx="631904" cy="261610"/>
           </a:xfrm>
           <a:prstGeom prst="rect">
@@ -4780,7 +4780,7 @@
         </p:nvSpPr>
         <p:spPr>
           <a:xfrm>
-            <a:off x="1474029" y="4858029"/>
+            <a:off x="1493079" y="4286529"/>
             <a:ext cx="4889480" cy="261610"/>
           </a:xfrm>
           <a:prstGeom prst="rect">
@@ -4869,7 +4869,7 @@
         </p:nvSpPr>
         <p:spPr>
           <a:xfrm>
-            <a:off x="3154778" y="4504920"/>
+            <a:off x="3173828" y="3933420"/>
             <a:ext cx="1527982" cy="261610"/>
           </a:xfrm>
           <a:prstGeom prst="rect">
@@ -4911,7 +4911,7 @@
         </p:nvSpPr>
         <p:spPr>
           <a:xfrm>
-            <a:off x="2447047" y="3699767"/>
+            <a:off x="2466097" y="3128267"/>
             <a:ext cx="615874" cy="261610"/>
           </a:xfrm>
           <a:prstGeom prst="rect">
@@ -4949,7 +4949,7 @@
         </p:nvSpPr>
         <p:spPr>
           <a:xfrm>
-            <a:off x="2453397" y="3972219"/>
+            <a:off x="2472447" y="3400719"/>
             <a:ext cx="631904" cy="261610"/>
           </a:xfrm>
           <a:prstGeom prst="rect">
@@ -4987,7 +4987,7 @@
         </p:nvSpPr>
         <p:spPr>
           <a:xfrm>
-            <a:off x="113049" y="1766678"/>
+            <a:off x="132099" y="1195178"/>
             <a:ext cx="1574199" cy="261610"/>
           </a:xfrm>
           <a:prstGeom prst="rect">
@@ -5028,7 +5028,7 @@
         </p:nvSpPr>
         <p:spPr>
           <a:xfrm>
-            <a:off x="651141" y="3498874"/>
+            <a:off x="670191" y="2927374"/>
             <a:ext cx="1036107" cy="261610"/>
           </a:xfrm>
           <a:prstGeom prst="rect">
@@ -5083,7 +5083,7 @@
         </p:nvCxnSpPr>
         <p:spPr>
           <a:xfrm>
-            <a:off x="1772151" y="1724343"/>
+            <a:off x="1791201" y="1152843"/>
             <a:ext cx="0" cy="360000"/>
           </a:xfrm>
           <a:prstGeom prst="straightConnector1">
@@ -5127,7 +5127,7 @@
         </p:nvCxnSpPr>
         <p:spPr>
           <a:xfrm flipV="1">
-            <a:off x="2065597" y="1724343"/>
+            <a:off x="2084647" y="1152843"/>
             <a:ext cx="0" cy="360000"/>
           </a:xfrm>
           <a:prstGeom prst="straightConnector1">
@@ -5171,7 +5171,7 @@
         </p:nvCxnSpPr>
         <p:spPr>
           <a:xfrm>
-            <a:off x="1772151" y="3230710"/>
+            <a:off x="1791201" y="2659210"/>
             <a:ext cx="0" cy="900000"/>
           </a:xfrm>
           <a:prstGeom prst="straightConnector1">
@@ -5215,7 +5215,7 @@
         </p:nvCxnSpPr>
         <p:spPr>
           <a:xfrm flipV="1">
-            <a:off x="2065597" y="3230710"/>
+            <a:off x="2084647" y="2659210"/>
             <a:ext cx="0" cy="900000"/>
           </a:xfrm>
           <a:prstGeom prst="straightConnector1">
@@ -5259,7 +5259,7 @@
         </p:nvCxnSpPr>
         <p:spPr>
           <a:xfrm>
-            <a:off x="5773878" y="1721099"/>
+            <a:off x="5792928" y="1149599"/>
             <a:ext cx="0" cy="360000"/>
           </a:xfrm>
           <a:prstGeom prst="straightConnector1">
@@ -5303,7 +5303,7 @@
         </p:nvCxnSpPr>
         <p:spPr>
           <a:xfrm flipV="1">
-            <a:off x="6026220" y="1721099"/>
+            <a:off x="6045270" y="1149599"/>
             <a:ext cx="0" cy="360000"/>
           </a:xfrm>
           <a:prstGeom prst="straightConnector1">
@@ -5347,7 +5347,7 @@
         </p:nvCxnSpPr>
         <p:spPr>
           <a:xfrm>
-            <a:off x="5773878" y="3227466"/>
+            <a:off x="5792928" y="2655966"/>
             <a:ext cx="0" cy="900000"/>
           </a:xfrm>
           <a:prstGeom prst="straightConnector1">
@@ -5391,7 +5391,7 @@
         </p:nvCxnSpPr>
         <p:spPr>
           <a:xfrm flipV="1">
-            <a:off x="6067324" y="3227466"/>
+            <a:off x="6086374" y="2655966"/>
             <a:ext cx="0" cy="900000"/>
           </a:xfrm>
           <a:prstGeom prst="straightConnector1">
@@ -5435,7 +5435,7 @@
         </p:nvCxnSpPr>
         <p:spPr>
           <a:xfrm>
-            <a:off x="2447321" y="4481068"/>
+            <a:off x="2466371" y="3909568"/>
             <a:ext cx="2952000" cy="0"/>
           </a:xfrm>
           <a:prstGeom prst="straightConnector1">
@@ -5479,7 +5479,7 @@
         </p:nvCxnSpPr>
         <p:spPr>
           <a:xfrm flipH="1" flipV="1">
-            <a:off x="2447321" y="4267668"/>
+            <a:off x="2466371" y="3696168"/>
             <a:ext cx="2952000" cy="0"/>
           </a:xfrm>
           <a:prstGeom prst="straightConnector1">
@@ -5521,7 +5521,7 @@
         </p:nvSpPr>
         <p:spPr>
           <a:xfrm>
-            <a:off x="5992970" y="1737558"/>
+            <a:off x="6012020" y="1166058"/>
             <a:ext cx="72000" cy="72000"/>
           </a:xfrm>
           <a:prstGeom prst="ellipse">
@@ -5571,7 +5571,7 @@
         </p:nvSpPr>
         <p:spPr>
           <a:xfrm>
-            <a:off x="5735851" y="1730886"/>
+            <a:off x="5754901" y="1159386"/>
             <a:ext cx="72000" cy="72000"/>
           </a:xfrm>
           <a:prstGeom prst="ellipse">
@@ -5625,7 +5625,7 @@
         </p:nvCxnSpPr>
         <p:spPr>
           <a:xfrm rot="16200000" flipV="1">
-            <a:off x="5897075" y="1605662"/>
+            <a:off x="5916125" y="1034162"/>
             <a:ext cx="6672" cy="257119"/>
           </a:xfrm>
           <a:prstGeom prst="bentConnector3">
@@ -5669,7 +5669,7 @@
         </p:nvSpPr>
         <p:spPr>
           <a:xfrm>
-            <a:off x="6026220" y="3498874"/>
+            <a:off x="6045270" y="2927374"/>
             <a:ext cx="325730" cy="261610"/>
           </a:xfrm>
           <a:prstGeom prst="rect">
@@ -5711,7 +5711,7 @@
         </p:nvSpPr>
         <p:spPr>
           <a:xfrm>
-            <a:off x="5429038" y="1766678"/>
+            <a:off x="5448088" y="1195178"/>
             <a:ext cx="325730" cy="261610"/>
           </a:xfrm>
           <a:prstGeom prst="rect">
@@ -5753,7 +5753,7 @@
         </p:nvSpPr>
         <p:spPr>
           <a:xfrm>
-            <a:off x="6026220" y="1766678"/>
+            <a:off x="6045270" y="1195178"/>
             <a:ext cx="325730" cy="261610"/>
           </a:xfrm>
           <a:prstGeom prst="rect">
@@ -5795,7 +5795,7 @@
         </p:nvSpPr>
         <p:spPr>
           <a:xfrm>
-            <a:off x="5429038" y="3498874"/>
+            <a:off x="5448088" y="2927374"/>
             <a:ext cx="325730" cy="261610"/>
           </a:xfrm>
           <a:prstGeom prst="rect">
@@ -5837,7 +5837,7 @@
         </p:nvSpPr>
         <p:spPr>
           <a:xfrm>
-            <a:off x="3755904" y="3986016"/>
+            <a:off x="3774954" y="3414516"/>
             <a:ext cx="325730" cy="261610"/>
           </a:xfrm>
           <a:prstGeom prst="rect">
@@ -5879,7 +5879,7 @@
         </p:nvSpPr>
         <p:spPr>
           <a:xfrm>
-            <a:off x="2070247" y="3498874"/>
+            <a:off x="2089297" y="2927374"/>
             <a:ext cx="325730" cy="261610"/>
           </a:xfrm>
           <a:prstGeom prst="rect">
@@ -5921,7 +5921,7 @@
         </p:nvSpPr>
         <p:spPr>
           <a:xfrm>
-            <a:off x="2070247" y="1766678"/>
+            <a:off x="2089297" y="1195178"/>
             <a:ext cx="325730" cy="261610"/>
           </a:xfrm>
           <a:prstGeom prst="rect">
@@ -5963,7 +5963,7 @@
         </p:nvSpPr>
         <p:spPr>
           <a:xfrm>
-            <a:off x="6026220" y="1472508"/>
+            <a:off x="6045270" y="901008"/>
             <a:ext cx="325730" cy="261610"/>
           </a:xfrm>
           <a:prstGeom prst="rect">
@@ -6007,8 +6007,8 @@
         </p:nvCxnSpPr>
         <p:spPr>
           <a:xfrm>
-            <a:off x="2532769" y="1355596"/>
-            <a:ext cx="2772000" cy="0"/>
+            <a:off x="2523244" y="765046"/>
+            <a:ext cx="2844000" cy="0"/>
           </a:xfrm>
           <a:prstGeom prst="straightConnector1">
             <a:avLst/>
@@ -6054,8 +6054,8 @@
         </p:nvCxnSpPr>
         <p:spPr>
           <a:xfrm flipH="1">
-            <a:off x="2532769" y="1439120"/>
-            <a:ext cx="2772000" cy="0"/>
+            <a:off x="2523244" y="972395"/>
+            <a:ext cx="2844000" cy="0"/>
           </a:xfrm>
           <a:prstGeom prst="straightConnector1">
             <a:avLst/>
@@ -6099,7 +6099,7 @@
         </p:nvSpPr>
         <p:spPr>
           <a:xfrm>
-            <a:off x="3670821" y="1070388"/>
+            <a:off x="3689871" y="470313"/>
             <a:ext cx="495896" cy="261610"/>
           </a:xfrm>
           <a:prstGeom prst="rect">
@@ -6154,7 +6154,7 @@
         </p:nvSpPr>
         <p:spPr>
           <a:xfrm>
-            <a:off x="3626738" y="1510524"/>
+            <a:off x="3645788" y="996174"/>
             <a:ext cx="584062" cy="261610"/>
           </a:xfrm>
           <a:prstGeom prst="rect">
@@ -6209,7 +6209,7 @@
         </p:nvSpPr>
         <p:spPr>
           <a:xfrm>
-            <a:off x="2964020" y="823106"/>
+            <a:off x="2983070" y="137306"/>
             <a:ext cx="1909497" cy="261610"/>
           </a:xfrm>
           <a:prstGeom prst="rect">

--- a/20230605_RPC/341_rpc.pptx
+++ b/20230605_RPC/341_rpc.pptx
@@ -6099,8 +6099,8 @@
         </p:nvSpPr>
         <p:spPr>
           <a:xfrm>
-            <a:off x="3689871" y="470313"/>
-            <a:ext cx="495896" cy="261610"/>
+            <a:off x="3383253" y="470313"/>
+            <a:ext cx="1012064" cy="261610"/>
           </a:xfrm>
           <a:prstGeom prst="rect">
             <a:avLst/>
@@ -6126,7 +6126,7 @@
                 <a:latin typeface="Meiryo UI" panose="020B0604030504040204" pitchFamily="50" charset="-128"/>
                 <a:ea typeface="Meiryo UI" panose="020B0604030504040204" pitchFamily="50" charset="-128"/>
               </a:rPr>
-              <a:t>①引数</a:t>
+              <a:t>①関数名、引数</a:t>
             </a:r>
             <a:endParaRPr kumimoji="1" lang="ja-JP" altLang="en-US" sz="1100">
               <a:solidFill>
